--- a/CSS GRID.pptx
+++ b/CSS GRID.pptx
@@ -1495,7 +1495,7 @@
               <a:pPr>
                 <a:defRPr/>
               </a:pPr>
-              <a:t>28/03/2020</a:t>
+              <a:t>01/04/2020</a:t>
             </a:fld>
             <a:endParaRPr lang="en-GB"/>
           </a:p>
@@ -12471,6 +12471,10 @@
           </p:nvPr>
         </p:nvSpPr>
         <p:spPr>
+          <a:xfrm>
+            <a:off x="2141034" y="2107580"/>
+            <a:ext cx="8965580" cy="1984917"/>
+          </a:xfrm>
           <a:prstGeom prst="rect">
             <a:avLst/>
           </a:prstGeom>
@@ -12481,9 +12485,10 @@
           <a:p>
             <a:pPr lvl="0"/>
             <a:r>
-              <a:rPr lang="en-US" dirty="0"/>
-              <a:t>WELCOME TO THE FUTURE</a:t>
-            </a:r>
+              <a:rPr lang="en-US" dirty="0" smtClean="0"/>
+              <a:t>CSS GRID</a:t>
+            </a:r>
+            <a:endParaRPr lang="en-US" dirty="0"/>
           </a:p>
         </p:txBody>
       </p:sp>
@@ -22174,8 +22179,8 @@
         </p:blipFill>
         <p:spPr>
           <a:xfrm>
-            <a:off x="6096000" y="2016439"/>
-            <a:ext cx="5943787" cy="4755029"/>
+            <a:off x="6307499" y="2185638"/>
+            <a:ext cx="5732287" cy="4585829"/>
           </a:xfrm>
           <a:prstGeom prst="rect">
             <a:avLst/>
@@ -23589,7 +23594,12 @@
             <p:ph type="title"/>
           </p:nvPr>
         </p:nvSpPr>
-        <p:spPr/>
+        <p:spPr>
+          <a:xfrm>
+            <a:off x="349404" y="651409"/>
+            <a:ext cx="10820400" cy="685800"/>
+          </a:xfrm>
+        </p:spPr>
         <p:txBody>
           <a:bodyPr/>
           <a:lstStyle/>

--- a/CSS GRID.pptx
+++ b/CSS GRID.pptx
@@ -1495,7 +1495,7 @@
               <a:pPr>
                 <a:defRPr/>
               </a:pPr>
-              <a:t>01/04/2020</a:t>
+              <a:t>02/04/2020</a:t>
             </a:fld>
             <a:endParaRPr lang="en-GB"/>
           </a:p>
@@ -19712,7 +19712,7 @@
         <p:spPr>
           <a:xfrm>
             <a:off x="462776" y="1800054"/>
-            <a:ext cx="9573322" cy="1754326"/>
+            <a:ext cx="9573322" cy="1477328"/>
           </a:xfrm>
           <a:prstGeom prst="rect">
             <a:avLst/>
@@ -20218,12 +20218,20 @@
               <a:buChar char="§"/>
             </a:pPr>
             <a:r>
+              <a:rPr lang="en-US" dirty="0" smtClean="0">
+                <a:solidFill>
+                  <a:schemeClr val="bg1"/>
+                </a:solidFill>
+              </a:rPr>
+              <a:t>They </a:t>
+            </a:r>
+            <a:r>
               <a:rPr lang="en-US" dirty="0">
                 <a:solidFill>
                   <a:schemeClr val="bg1"/>
                 </a:solidFill>
               </a:rPr>
-              <a:t>align-content aligns tracks along the row axis and justify-content along the column axis. They support the following </a:t>
+              <a:t>support the following </a:t>
             </a:r>
             <a:r>
               <a:rPr lang="en-US" dirty="0" smtClean="0">
@@ -26810,14 +26818,6 @@
 </file>
 
 <file path=customXml/item1.xml><?xml version="1.0" encoding="utf-8"?>
-<p:properties xmlns:p="http://schemas.microsoft.com/office/2006/metadata/properties" xmlns:xsi="http://www.w3.org/2001/XMLSchema-instance" xmlns:pc="http://schemas.microsoft.com/office/infopath/2007/PartnerControls">
-  <documentManagement>
-    <_x041a__x043e__x043c__x0435__x0442__x0430__x0440_ xmlns="835f28f2-30f1-4728-84d2-86d96e143488" xsi:nil="true"/>
-  </documentManagement>
-</p:properties>
-</file>
-
-<file path=customXml/item2.xml><?xml version="1.0" encoding="utf-8"?>
 <ct:contentTypeSchema xmlns:ct="http://schemas.microsoft.com/office/2006/metadata/contentType" xmlns:ma="http://schemas.microsoft.com/office/2006/metadata/properties/metaAttributes" ct:_="" ma:_="" ma:contentTypeName="Document" ma:contentTypeID="0x0101004195FC54A15F344D83577B1CDDD67A5D" ma:contentTypeVersion="13" ma:contentTypeDescription="Create a new document." ma:contentTypeScope="" ma:versionID="30ded57c9b2156718eb8cc7b0e4246dc">
   <xsd:schema xmlns:xsd="http://www.w3.org/2001/XMLSchema" xmlns:xs="http://www.w3.org/2001/XMLSchema" xmlns:p="http://schemas.microsoft.com/office/2006/metadata/properties" xmlns:ns2="341e6018-ac0a-4dfb-8409-db9e0d25502e" xmlns:ns3="835f28f2-30f1-4728-84d2-86d96e143488" targetNamespace="http://schemas.microsoft.com/office/2006/metadata/properties" ma:root="true" ma:fieldsID="a0d1831635397921c92a19e568dfc949" ns2:_="" ns3:_="">
     <xsd:import namespace="341e6018-ac0a-4dfb-8409-db9e0d25502e"/>
@@ -27042,6 +27042,14 @@
 </ct:contentTypeSchema>
 </file>
 
+<file path=customXml/item2.xml><?xml version="1.0" encoding="utf-8"?>
+<p:properties xmlns:p="http://schemas.microsoft.com/office/2006/metadata/properties" xmlns:xsi="http://www.w3.org/2001/XMLSchema-instance" xmlns:pc="http://schemas.microsoft.com/office/infopath/2007/PartnerControls">
+  <documentManagement>
+    <_x041a__x043e__x043c__x0435__x0442__x0430__x0440_ xmlns="835f28f2-30f1-4728-84d2-86d96e143488" xsi:nil="true"/>
+  </documentManagement>
+</p:properties>
+</file>
+
 <file path=customXml/item3.xml><?xml version="1.0" encoding="utf-8"?>
 <?mso-contentType ?>
 <FormTemplates xmlns="http://schemas.microsoft.com/sharepoint/v3/contenttype/forms">
@@ -27052,23 +27060,6 @@
 </file>
 
 <file path=customXml/itemProps1.xml><?xml version="1.0" encoding="utf-8"?>
-<ds:datastoreItem xmlns:ds="http://schemas.openxmlformats.org/officeDocument/2006/customXml" ds:itemID="{E9033E08-7FE9-4F6D-B155-A8777B4A5A57}">
-  <ds:schemaRefs>
-    <ds:schemaRef ds:uri="http://schemas.microsoft.com/office/2006/documentManagement/types"/>
-    <ds:schemaRef ds:uri="http://purl.org/dc/dcmitype/"/>
-    <ds:schemaRef ds:uri="http://purl.org/dc/elements/1.1/"/>
-    <ds:schemaRef ds:uri="http://schemas.microsoft.com/office/2006/metadata/properties"/>
-    <ds:schemaRef ds:uri="835f28f2-30f1-4728-84d2-86d96e143488"/>
-    <ds:schemaRef ds:uri="http://purl.org/dc/terms/"/>
-    <ds:schemaRef ds:uri="http://schemas.openxmlformats.org/package/2006/metadata/core-properties"/>
-    <ds:schemaRef ds:uri="http://schemas.microsoft.com/office/infopath/2007/PartnerControls"/>
-    <ds:schemaRef ds:uri="341e6018-ac0a-4dfb-8409-db9e0d25502e"/>
-    <ds:schemaRef ds:uri="http://www.w3.org/XML/1998/namespace"/>
-  </ds:schemaRefs>
-</ds:datastoreItem>
-</file>
-
-<file path=customXml/itemProps2.xml><?xml version="1.0" encoding="utf-8"?>
 <ds:datastoreItem xmlns:ds="http://schemas.openxmlformats.org/officeDocument/2006/customXml" ds:itemID="{5BCFD5A9-9FF3-42E0-89D7-BF5BFC61DD60}">
   <ds:schemaRefs>
     <ds:schemaRef ds:uri="341e6018-ac0a-4dfb-8409-db9e0d25502e"/>
@@ -27087,6 +27078,23 @@
 </ds:datastoreItem>
 </file>
 
+<file path=customXml/itemProps2.xml><?xml version="1.0" encoding="utf-8"?>
+<ds:datastoreItem xmlns:ds="http://schemas.openxmlformats.org/officeDocument/2006/customXml" ds:itemID="{E9033E08-7FE9-4F6D-B155-A8777B4A5A57}">
+  <ds:schemaRefs>
+    <ds:schemaRef ds:uri="http://schemas.microsoft.com/office/2006/documentManagement/types"/>
+    <ds:schemaRef ds:uri="http://purl.org/dc/dcmitype/"/>
+    <ds:schemaRef ds:uri="http://purl.org/dc/elements/1.1/"/>
+    <ds:schemaRef ds:uri="http://schemas.microsoft.com/office/2006/metadata/properties"/>
+    <ds:schemaRef ds:uri="835f28f2-30f1-4728-84d2-86d96e143488"/>
+    <ds:schemaRef ds:uri="http://purl.org/dc/terms/"/>
+    <ds:schemaRef ds:uri="http://schemas.openxmlformats.org/package/2006/metadata/core-properties"/>
+    <ds:schemaRef ds:uri="http://schemas.microsoft.com/office/infopath/2007/PartnerControls"/>
+    <ds:schemaRef ds:uri="341e6018-ac0a-4dfb-8409-db9e0d25502e"/>
+    <ds:schemaRef ds:uri="http://www.w3.org/XML/1998/namespace"/>
+  </ds:schemaRefs>
+</ds:datastoreItem>
+</file>
+
 <file path=customXml/itemProps3.xml><?xml version="1.0" encoding="utf-8"?>
 <ds:datastoreItem xmlns:ds="http://schemas.openxmlformats.org/officeDocument/2006/customXml" ds:itemID="{296B3B9E-03D8-4766-BF45-6129617CF026}">
   <ds:schemaRefs>
